--- a/presentation.pptx
+++ b/presentation.pptx
@@ -7,9 +7,10 @@
   <p:sldIdLst>
     <p:sldId id="256" r:id="rId2"/>
     <p:sldId id="257" r:id="rId3"/>
-    <p:sldId id="260" r:id="rId4"/>
-    <p:sldId id="259" r:id="rId5"/>
-    <p:sldId id="261" r:id="rId6"/>
+    <p:sldId id="262" r:id="rId4"/>
+    <p:sldId id="260" r:id="rId5"/>
+    <p:sldId id="259" r:id="rId6"/>
+    <p:sldId id="261" r:id="rId7"/>
   </p:sldIdLst>
   <p:sldSz cx="12192000" cy="6858000"/>
   <p:notesSz cx="6858000" cy="9144000"/>
@@ -115,6 +116,7 @@
           <p14:sldIdLst>
             <p14:sldId id="256"/>
             <p14:sldId id="257"/>
+            <p14:sldId id="262"/>
             <p14:sldId id="260"/>
             <p14:sldId id="259"/>
             <p14:sldId id="261"/>
@@ -4136,6 +4138,172 @@
       </p:grpSpPr>
       <p:sp>
         <p:nvSpPr>
+          <p:cNvPr id="6" name="Rectangle 5">
+            <a:extLst>
+              <a:ext uri="{FF2B5EF4-FFF2-40B4-BE49-F238E27FC236}">
+                <a16:creationId xmlns:a16="http://schemas.microsoft.com/office/drawing/2014/main" id="{4D9BF7F4-8A98-B4AA-68FD-E9B263CAADEA}"/>
+              </a:ext>
+            </a:extLst>
+          </p:cNvPr>
+          <p:cNvSpPr/>
+          <p:nvPr/>
+        </p:nvSpPr>
+        <p:spPr>
+          <a:xfrm>
+            <a:off x="1" y="1524000"/>
+            <a:ext cx="12192000" cy="5342092"/>
+          </a:xfrm>
+          <a:prstGeom prst="rect">
+            <a:avLst/>
+          </a:prstGeom>
+          <a:solidFill>
+            <a:schemeClr val="bg1"/>
+          </a:solidFill>
+          <a:ln>
+            <a:solidFill>
+              <a:schemeClr val="bg1"/>
+            </a:solidFill>
+          </a:ln>
+        </p:spPr>
+        <p:style>
+          <a:lnRef idx="2">
+            <a:schemeClr val="accent1">
+              <a:shade val="15000"/>
+            </a:schemeClr>
+          </a:lnRef>
+          <a:fillRef idx="1">
+            <a:schemeClr val="accent1"/>
+          </a:fillRef>
+          <a:effectRef idx="0">
+            <a:schemeClr val="accent1"/>
+          </a:effectRef>
+          <a:fontRef idx="minor">
+            <a:schemeClr val="lt1"/>
+          </a:fontRef>
+        </p:style>
+        <p:txBody>
+          <a:bodyPr rtlCol="0" anchor="ctr"/>
+          <a:lstStyle/>
+          <a:p>
+            <a:pPr algn="ctr"/>
+            <a:endParaRPr lang="en-CA"/>
+          </a:p>
+        </p:txBody>
+      </p:sp>
+      <p:pic>
+        <p:nvPicPr>
+          <p:cNvPr id="5" name="Picture 4">
+            <a:extLst>
+              <a:ext uri="{FF2B5EF4-FFF2-40B4-BE49-F238E27FC236}">
+                <a16:creationId xmlns:a16="http://schemas.microsoft.com/office/drawing/2014/main" id="{8A931AE5-0F17-ADD2-A0A3-51152732F805}"/>
+              </a:ext>
+            </a:extLst>
+          </p:cNvPr>
+          <p:cNvPicPr>
+            <a:picLocks noChangeAspect="1"/>
+          </p:cNvPicPr>
+          <p:nvPr/>
+        </p:nvPicPr>
+        <p:blipFill>
+          <a:blip r:embed="rId2"/>
+          <a:stretch>
+            <a:fillRect/>
+          </a:stretch>
+        </p:blipFill>
+        <p:spPr>
+          <a:xfrm>
+            <a:off x="2226879" y="-21020"/>
+            <a:ext cx="7738241" cy="6858000"/>
+          </a:xfrm>
+          <a:prstGeom prst="rect">
+            <a:avLst/>
+          </a:prstGeom>
+        </p:spPr>
+      </p:pic>
+      <p:sp>
+        <p:nvSpPr>
+          <p:cNvPr id="7" name="Rectangle 6">
+            <a:extLst>
+              <a:ext uri="{FF2B5EF4-FFF2-40B4-BE49-F238E27FC236}">
+                <a16:creationId xmlns:a16="http://schemas.microsoft.com/office/drawing/2014/main" id="{B31237DE-EC0A-D6C3-A0E9-4238581B1696}"/>
+              </a:ext>
+            </a:extLst>
+          </p:cNvPr>
+          <p:cNvSpPr/>
+          <p:nvPr/>
+        </p:nvSpPr>
+        <p:spPr>
+          <a:xfrm>
+            <a:off x="2226879" y="4498428"/>
+            <a:ext cx="694997" cy="578069"/>
+          </a:xfrm>
+          <a:prstGeom prst="rect">
+            <a:avLst/>
+          </a:prstGeom>
+          <a:noFill/>
+          <a:ln w="38100">
+            <a:solidFill>
+              <a:srgbClr val="FF0000"/>
+            </a:solidFill>
+          </a:ln>
+        </p:spPr>
+        <p:style>
+          <a:lnRef idx="2">
+            <a:schemeClr val="accent1">
+              <a:shade val="15000"/>
+            </a:schemeClr>
+          </a:lnRef>
+          <a:fillRef idx="1">
+            <a:schemeClr val="accent1"/>
+          </a:fillRef>
+          <a:effectRef idx="0">
+            <a:schemeClr val="accent1"/>
+          </a:effectRef>
+          <a:fontRef idx="minor">
+            <a:schemeClr val="lt1"/>
+          </a:fontRef>
+        </p:style>
+        <p:txBody>
+          <a:bodyPr rtlCol="0" anchor="ctr"/>
+          <a:lstStyle/>
+          <a:p>
+            <a:pPr algn="ctr"/>
+            <a:endParaRPr lang="en-CA"/>
+          </a:p>
+        </p:txBody>
+      </p:sp>
+    </p:spTree>
+    <p:extLst>
+      <p:ext uri="{BB962C8B-B14F-4D97-AF65-F5344CB8AC3E}">
+        <p14:creationId xmlns:p14="http://schemas.microsoft.com/office/powerpoint/2010/main" val="2025455781"/>
+      </p:ext>
+    </p:extLst>
+  </p:cSld>
+  <p:clrMapOvr>
+    <a:masterClrMapping/>
+  </p:clrMapOvr>
+</p:sld>
+</file>
+
+<file path=ppt/slides/slide4.xml><?xml version="1.0" encoding="utf-8"?>
+<p:sld xmlns:a="http://schemas.openxmlformats.org/drawingml/2006/main" xmlns:r="http://schemas.openxmlformats.org/officeDocument/2006/relationships" xmlns:p="http://schemas.openxmlformats.org/presentationml/2006/main">
+  <p:cSld>
+    <p:spTree>
+      <p:nvGrpSpPr>
+        <p:cNvPr id="1" name=""/>
+        <p:cNvGrpSpPr/>
+        <p:nvPr/>
+      </p:nvGrpSpPr>
+      <p:grpSpPr>
+        <a:xfrm>
+          <a:off x="0" y="0"/>
+          <a:ext cx="0" cy="0"/>
+          <a:chOff x="0" y="0"/>
+          <a:chExt cx="0" cy="0"/>
+        </a:xfrm>
+      </p:grpSpPr>
+      <p:sp>
+        <p:nvSpPr>
           <p:cNvPr id="7" name="Rectangle 6">
             <a:extLst>
               <a:ext uri="{FF2B5EF4-FFF2-40B4-BE49-F238E27FC236}">
@@ -4148,8 +4316,8 @@
         </p:nvSpPr>
         <p:spPr>
           <a:xfrm>
-            <a:off x="1" y="4435366"/>
-            <a:ext cx="12192000" cy="2430726"/>
+            <a:off x="1" y="1524000"/>
+            <a:ext cx="12192000" cy="5342092"/>
           </a:xfrm>
           <a:prstGeom prst="rect">
             <a:avLst/>
@@ -4230,7 +4398,7 @@
 </p:sld>
 </file>
 
-<file path=ppt/slides/slide4.xml><?xml version="1.0" encoding="utf-8"?>
+<file path=ppt/slides/slide5.xml><?xml version="1.0" encoding="utf-8"?>
 <p:sld xmlns:a="http://schemas.openxmlformats.org/drawingml/2006/main" xmlns:r="http://schemas.openxmlformats.org/officeDocument/2006/relationships" xmlns:p="http://schemas.openxmlformats.org/presentationml/2006/main">
   <p:cSld>
     <p:spTree>
@@ -4289,7 +4457,7 @@
 </p:sld>
 </file>
 
-<file path=ppt/slides/slide5.xml><?xml version="1.0" encoding="utf-8"?>
+<file path=ppt/slides/slide6.xml><?xml version="1.0" encoding="utf-8"?>
 <p:sld xmlns:a="http://schemas.openxmlformats.org/drawingml/2006/main" xmlns:r="http://schemas.openxmlformats.org/officeDocument/2006/relationships" xmlns:p="http://schemas.openxmlformats.org/presentationml/2006/main">
   <p:cSld>
     <p:spTree>
